--- a/exo-developer/420-crash/slides/420-CRaSH-XDev-en.pptx
+++ b/exo-developer/420-crash/slides/420-CRaSH-XDev-en.pptx
@@ -22301,7 +22301,7 @@
         </p:nvSpPr>
         <p:spPr bwMode="auto">
           <a:xfrm>
-            <a:off x="557213" y="1417638"/>
+            <a:off x="557213" y="1397239"/>
             <a:ext cx="10044112" cy="5105400"/>
           </a:xfrm>
           <a:prstGeom prst="rect">
@@ -22362,7 +22362,15 @@
                   <a:srgbClr val="4C4C4C"/>
                 </a:solidFill>
               </a:rPr>
-              <a:t>Stop </a:t>
+              <a:t>Connect </a:t>
+            </a:r>
+            <a:r>
+              <a:rPr lang="en-US" sz="2000" b="1" i="1" dirty="0" smtClean="0">
+                <a:solidFill>
+                  <a:srgbClr val="4C4C4C"/>
+                </a:solidFill>
+              </a:rPr>
+              <a:t>to </a:t>
             </a:r>
             <a:r>
               <a:rPr lang="en-US" sz="2000" b="1" i="1" dirty="0" err="1" smtClean="0">
@@ -22370,7 +22378,7 @@
                   <a:srgbClr val="4C4C4C"/>
                 </a:solidFill>
               </a:rPr>
-              <a:t>eXo</a:t>
+              <a:t>CRaSH</a:t>
             </a:r>
             <a:r>
               <a:rPr lang="en-US" sz="2000" b="1" i="1" dirty="0" smtClean="0">
@@ -22378,7 +22386,7 @@
                   <a:srgbClr val="4C4C4C"/>
                 </a:solidFill>
               </a:rPr>
-              <a:t>. Copy </a:t>
+              <a:t> by </a:t>
             </a:r>
             <a:r>
               <a:rPr lang="en-US" sz="2000" b="1" i="1" dirty="0" err="1" smtClean="0">
@@ -22386,7 +22394,7 @@
                   <a:srgbClr val="4C4C4C"/>
                 </a:solidFill>
               </a:rPr>
-              <a:t>crsh.war</a:t>
+              <a:t>ssh</a:t>
             </a:r>
             <a:r>
               <a:rPr lang="en-US" sz="2000" b="1" i="1" dirty="0" smtClean="0">
@@ -22394,15 +22402,7 @@
                   <a:srgbClr val="4C4C4C"/>
                 </a:solidFill>
               </a:rPr>
-              <a:t> to your </a:t>
-            </a:r>
-            <a:r>
-              <a:rPr lang="en-US" sz="2000" b="1" i="1" dirty="0" err="1" smtClean="0">
-                <a:solidFill>
-                  <a:srgbClr val="4C4C4C"/>
-                </a:solidFill>
-              </a:rPr>
-              <a:t>webapps</a:t>
+              <a:t> </a:t>
             </a:r>
             <a:r>
               <a:rPr lang="en-US" sz="2000" b="1" i="1" dirty="0" smtClean="0">
@@ -22410,24 +22410,13 @@
                   <a:srgbClr val="4C4C4C"/>
                 </a:solidFill>
               </a:rPr>
-              <a:t>. Start </a:t>
-            </a:r>
-            <a:r>
-              <a:rPr lang="en-US" sz="2000" b="1" i="1" dirty="0" err="1" smtClean="0">
-                <a:solidFill>
-                  <a:srgbClr val="4C4C4C"/>
-                </a:solidFill>
-              </a:rPr>
-              <a:t>eXo</a:t>
-            </a:r>
-            <a:r>
-              <a:rPr lang="en-US" sz="2000" b="1" i="1" dirty="0" smtClean="0">
-                <a:solidFill>
-                  <a:srgbClr val="4C4C4C"/>
-                </a:solidFill>
-              </a:rPr>
-              <a:t>.</a:t>
-            </a:r>
+              <a:t>(port 2000) or telnet (port 5000)</a:t>
+            </a:r>
+            <a:endParaRPr lang="en-US" sz="2000" b="1" i="1" dirty="0" smtClean="0">
+              <a:solidFill>
+                <a:srgbClr val="4C4C4C"/>
+              </a:solidFill>
+            </a:endParaRPr>
           </a:p>
           <a:p>
             <a:pPr marL="258763" indent="-255588" hangingPunct="1">
@@ -22473,7 +22462,15 @@
                   <a:srgbClr val="4C4C4C"/>
                 </a:solidFill>
               </a:rPr>
-              <a:t>Connect to </a:t>
+              <a:t>Type in your shell: connect -c portal -u root </a:t>
+            </a:r>
+            <a:r>
+              <a:rPr lang="en-US" sz="2000" b="1" i="1" dirty="0" smtClean="0">
+                <a:solidFill>
+                  <a:srgbClr val="4C4C4C"/>
+                </a:solidFill>
+              </a:rPr>
+              <a:t>-p </a:t>
             </a:r>
             <a:r>
               <a:rPr lang="en-US" sz="2000" b="1" i="1" dirty="0" err="1" smtClean="0">
@@ -22481,7 +22478,7 @@
                   <a:srgbClr val="4C4C4C"/>
                 </a:solidFill>
               </a:rPr>
-              <a:t>CRaSH</a:t>
+              <a:t>gtn</a:t>
             </a:r>
             <a:r>
               <a:rPr lang="en-US" sz="2000" b="1" i="1" dirty="0" smtClean="0">
@@ -22489,15 +22486,7 @@
                   <a:srgbClr val="4C4C4C"/>
                 </a:solidFill>
               </a:rPr>
-              <a:t> by </a:t>
-            </a:r>
-            <a:r>
-              <a:rPr lang="en-US" sz="2000" b="1" i="1" dirty="0" err="1" smtClean="0">
-                <a:solidFill>
-                  <a:srgbClr val="4C4C4C"/>
-                </a:solidFill>
-              </a:rPr>
-              <a:t>ssh</a:t>
+              <a:t> </a:t>
             </a:r>
             <a:r>
               <a:rPr lang="en-US" sz="2000" b="1" i="1" dirty="0" smtClean="0">
@@ -22505,8 +22494,13 @@
                   <a:srgbClr val="4C4C4C"/>
                 </a:solidFill>
               </a:rPr>
-              <a:t> or telnet</a:t>
-            </a:r>
+              <a:t>collaboration</a:t>
+            </a:r>
+            <a:endParaRPr lang="en-US" sz="2000" b="1" i="1" dirty="0" smtClean="0">
+              <a:solidFill>
+                <a:srgbClr val="4C4C4C"/>
+              </a:solidFill>
+            </a:endParaRPr>
           </a:p>
           <a:p>
             <a:pPr marL="258763" indent="-255588" hangingPunct="1">
@@ -22552,7 +22546,71 @@
                   <a:srgbClr val="4C4C4C"/>
                 </a:solidFill>
               </a:rPr>
-              <a:t>Type in your shell: connect -c portal -u root collaboration</a:t>
+              <a:t>Test the commands: </a:t>
+            </a:r>
+            <a:r>
+              <a:rPr lang="en-US" sz="2000" b="1" i="1" dirty="0" err="1" smtClean="0">
+                <a:solidFill>
+                  <a:srgbClr val="4C4C4C"/>
+                </a:solidFill>
+              </a:rPr>
+              <a:t>ls</a:t>
+            </a:r>
+            <a:r>
+              <a:rPr lang="en-US" sz="2000" b="1" i="1" dirty="0" smtClean="0">
+                <a:solidFill>
+                  <a:srgbClr val="4C4C4C"/>
+                </a:solidFill>
+              </a:rPr>
+              <a:t>, </a:t>
+            </a:r>
+            <a:r>
+              <a:rPr lang="en-US" sz="2000" b="1" i="1" dirty="0" err="1" smtClean="0">
+                <a:solidFill>
+                  <a:srgbClr val="4C4C4C"/>
+                </a:solidFill>
+              </a:rPr>
+              <a:t>cd</a:t>
+            </a:r>
+            <a:r>
+              <a:rPr lang="en-US" sz="2000" b="1" i="1" dirty="0" smtClean="0">
+                <a:solidFill>
+                  <a:srgbClr val="4C4C4C"/>
+                </a:solidFill>
+              </a:rPr>
+              <a:t>, </a:t>
+            </a:r>
+            <a:r>
+              <a:rPr lang="en-US" sz="2000" b="1" i="1" dirty="0" err="1" smtClean="0">
+                <a:solidFill>
+                  <a:srgbClr val="4C4C4C"/>
+                </a:solidFill>
+              </a:rPr>
+              <a:t>mv</a:t>
+            </a:r>
+            <a:r>
+              <a:rPr lang="en-US" sz="2000" b="1" i="1" dirty="0" smtClean="0">
+                <a:solidFill>
+                  <a:srgbClr val="4C4C4C"/>
+                </a:solidFill>
+              </a:rPr>
+              <a:t>, </a:t>
+            </a:r>
+            <a:r>
+              <a:rPr lang="en-US" sz="2000" b="1" i="1" dirty="0" err="1" smtClean="0">
+                <a:solidFill>
+                  <a:srgbClr val="4C4C4C"/>
+                </a:solidFill>
+              </a:rPr>
+              <a:t>rm</a:t>
+            </a:r>
+            <a:r>
+              <a:rPr lang="en-US" sz="2000" b="1" i="1" dirty="0" smtClean="0">
+                <a:solidFill>
+                  <a:srgbClr val="4C4C4C"/>
+                </a:solidFill>
+              </a:rPr>
+              <a:t>, </a:t>
             </a:r>
           </a:p>
           <a:p>
@@ -22599,71 +22657,7 @@
                   <a:srgbClr val="4C4C4C"/>
                 </a:solidFill>
               </a:rPr>
-              <a:t>Test the commands: </a:t>
-            </a:r>
-            <a:r>
-              <a:rPr lang="en-US" sz="2000" b="1" i="1" dirty="0" err="1" smtClean="0">
-                <a:solidFill>
-                  <a:srgbClr val="4C4C4C"/>
-                </a:solidFill>
-              </a:rPr>
-              <a:t>ls</a:t>
-            </a:r>
-            <a:r>
-              <a:rPr lang="en-US" sz="2000" b="1" i="1" dirty="0" smtClean="0">
-                <a:solidFill>
-                  <a:srgbClr val="4C4C4C"/>
-                </a:solidFill>
-              </a:rPr>
-              <a:t>, </a:t>
-            </a:r>
-            <a:r>
-              <a:rPr lang="en-US" sz="2000" b="1" i="1" dirty="0" err="1" smtClean="0">
-                <a:solidFill>
-                  <a:srgbClr val="4C4C4C"/>
-                </a:solidFill>
-              </a:rPr>
-              <a:t>cd</a:t>
-            </a:r>
-            <a:r>
-              <a:rPr lang="en-US" sz="2000" b="1" i="1" dirty="0" smtClean="0">
-                <a:solidFill>
-                  <a:srgbClr val="4C4C4C"/>
-                </a:solidFill>
-              </a:rPr>
-              <a:t>, </a:t>
-            </a:r>
-            <a:r>
-              <a:rPr lang="en-US" sz="2000" b="1" i="1" dirty="0" err="1" smtClean="0">
-                <a:solidFill>
-                  <a:srgbClr val="4C4C4C"/>
-                </a:solidFill>
-              </a:rPr>
-              <a:t>mv</a:t>
-            </a:r>
-            <a:r>
-              <a:rPr lang="en-US" sz="2000" b="1" i="1" dirty="0" smtClean="0">
-                <a:solidFill>
-                  <a:srgbClr val="4C4C4C"/>
-                </a:solidFill>
-              </a:rPr>
-              <a:t>, </a:t>
-            </a:r>
-            <a:r>
-              <a:rPr lang="en-US" sz="2000" b="1" i="1" dirty="0" err="1" smtClean="0">
-                <a:solidFill>
-                  <a:srgbClr val="4C4C4C"/>
-                </a:solidFill>
-              </a:rPr>
-              <a:t>rm</a:t>
-            </a:r>
-            <a:r>
-              <a:rPr lang="en-US" sz="2000" b="1" i="1" dirty="0" smtClean="0">
-                <a:solidFill>
-                  <a:srgbClr val="4C4C4C"/>
-                </a:solidFill>
-              </a:rPr>
-              <a:t>, </a:t>
+              <a:t>Export and import a node. Is it document or system view? Import the node 5 times. What happens?</a:t>
             </a:r>
           </a:p>
           <a:p>
@@ -22710,7 +22704,71 @@
                   <a:srgbClr val="4C4C4C"/>
                 </a:solidFill>
               </a:rPr>
-              <a:t>Export and import a node. Is it document or system view? Import the node 5 times. What happens?</a:t>
+              <a:t>Add a </a:t>
+            </a:r>
+            <a:r>
+              <a:rPr lang="en-US" sz="2000" b="1" i="1" dirty="0" err="1" smtClean="0">
+                <a:solidFill>
+                  <a:srgbClr val="4C4C4C"/>
+                </a:solidFill>
+              </a:rPr>
+              <a:t>mix:versionable</a:t>
+            </a:r>
+            <a:r>
+              <a:rPr lang="en-US" sz="2000" b="1" i="1" dirty="0" smtClean="0">
+                <a:solidFill>
+                  <a:srgbClr val="4C4C4C"/>
+                </a:solidFill>
+              </a:rPr>
+              <a:t> </a:t>
+            </a:r>
+            <a:r>
+              <a:rPr lang="en-US" sz="2000" b="1" i="1" dirty="0" err="1" smtClean="0">
+                <a:solidFill>
+                  <a:srgbClr val="4C4C4C"/>
+                </a:solidFill>
+              </a:rPr>
+              <a:t>mixin</a:t>
+            </a:r>
+            <a:r>
+              <a:rPr lang="en-US" sz="2000" b="1" i="1" dirty="0" smtClean="0">
+                <a:solidFill>
+                  <a:srgbClr val="4C4C4C"/>
+                </a:solidFill>
+              </a:rPr>
+              <a:t> to an existing node. (syntax: </a:t>
+            </a:r>
+            <a:r>
+              <a:rPr lang="en-US" sz="2000" dirty="0" err="1" smtClean="0">
+                <a:solidFill>
+                  <a:srgbClr val="4C4C4C"/>
+                </a:solidFill>
+              </a:rPr>
+              <a:t>addmixin</a:t>
+            </a:r>
+            <a:r>
+              <a:rPr lang="en-US" sz="2000" dirty="0" smtClean="0">
+                <a:solidFill>
+                  <a:srgbClr val="4C4C4C"/>
+                </a:solidFill>
+              </a:rPr>
+              <a:t> . </a:t>
+            </a:r>
+            <a:r>
+              <a:rPr lang="en-US" sz="2000" dirty="0" err="1" smtClean="0">
+                <a:solidFill>
+                  <a:srgbClr val="4C4C4C"/>
+                </a:solidFill>
+              </a:rPr>
+              <a:t>mix:versionable</a:t>
+            </a:r>
+            <a:r>
+              <a:rPr lang="en-US" sz="2000" b="1" i="1" dirty="0" smtClean="0">
+                <a:solidFill>
+                  <a:srgbClr val="4C4C4C"/>
+                </a:solidFill>
+              </a:rPr>
+              <a:t>)</a:t>
             </a:r>
           </a:p>
           <a:p>
@@ -22757,15 +22815,7 @@
                   <a:srgbClr val="4C4C4C"/>
                 </a:solidFill>
               </a:rPr>
-              <a:t>Add a mix:i18n </a:t>
-            </a:r>
-            <a:r>
-              <a:rPr lang="en-US" sz="2000" b="1" i="1" dirty="0" err="1" smtClean="0">
-                <a:solidFill>
-                  <a:srgbClr val="4C4C4C"/>
-                </a:solidFill>
-              </a:rPr>
-              <a:t>mixin</a:t>
+              <a:t>Test 5 different select use cases as seen in http://wiki.exoplatform.org/xwiki/bin/view/JCR/JCR+Query+Usecases</a:t>
             </a:r>
             <a:r>
               <a:rPr lang="en-US" sz="2000" b="1" i="1" dirty="0" smtClean="0">
@@ -22773,39 +22823,7 @@
                   <a:srgbClr val="4C4C4C"/>
                 </a:solidFill>
               </a:rPr>
-              <a:t> to an existing node. (syntax: </a:t>
-            </a:r>
-            <a:r>
-              <a:rPr lang="en-US" sz="2000" dirty="0" err="1" smtClean="0">
-                <a:solidFill>
-                  <a:srgbClr val="4C4C4C"/>
-                </a:solidFill>
-              </a:rPr>
-              <a:t>addmixin</a:t>
-            </a:r>
-            <a:r>
-              <a:rPr lang="en-US" sz="2000" dirty="0" smtClean="0">
-                <a:solidFill>
-                  <a:srgbClr val="4C4C4C"/>
-                </a:solidFill>
-              </a:rPr>
-              <a:t> . </a:t>
-            </a:r>
-            <a:r>
-              <a:rPr lang="en-US" sz="2000" dirty="0" err="1" smtClean="0">
-                <a:solidFill>
-                  <a:srgbClr val="4C4C4C"/>
-                </a:solidFill>
-              </a:rPr>
-              <a:t>mix:versionable</a:t>
-            </a:r>
-            <a:r>
-              <a:rPr lang="en-US" sz="2000" b="1" i="1" dirty="0" smtClean="0">
-                <a:solidFill>
-                  <a:srgbClr val="4C4C4C"/>
-                </a:solidFill>
-              </a:rPr>
-              <a:t>)</a:t>
+              <a:t>.</a:t>
             </a:r>
           </a:p>
           <a:p>
@@ -22852,55 +22870,36 @@
                   <a:srgbClr val="4C4C4C"/>
                 </a:solidFill>
               </a:rPr>
-              <a:t>Test 20 different select use cases as seen in http://wiki.exoplatform.org/xwiki/bin/view/JCR/JCR+Query+Usecases.</a:t>
-            </a:r>
-          </a:p>
-          <a:p>
-            <a:pPr marL="258763" indent="-255588" hangingPunct="1">
-              <a:lnSpc>
-                <a:spcPct val="101000"/>
-              </a:lnSpc>
-              <a:spcAft>
-                <a:spcPts val="1425"/>
-              </a:spcAft>
-              <a:buClr>
-                <a:srgbClr val="FFA300"/>
-              </a:buClr>
-              <a:buSzPct val="150000"/>
-              <a:buFont typeface="Segoe UI" pitchFamily="32" charset="0"/>
-              <a:buChar char="»"/>
-              <a:tabLst>
-                <a:tab pos="258763" algn="l"/>
-                <a:tab pos="715963" algn="l"/>
-                <a:tab pos="1173163" algn="l"/>
-                <a:tab pos="1630363" algn="l"/>
-                <a:tab pos="2087563" algn="l"/>
-                <a:tab pos="2544763" algn="l"/>
-                <a:tab pos="3001963" algn="l"/>
-                <a:tab pos="3459163" algn="l"/>
-                <a:tab pos="3916363" algn="l"/>
-                <a:tab pos="4373563" algn="l"/>
-                <a:tab pos="4830763" algn="l"/>
-                <a:tab pos="5287963" algn="l"/>
-                <a:tab pos="5745163" algn="l"/>
-                <a:tab pos="6202363" algn="l"/>
-                <a:tab pos="6659563" algn="l"/>
-                <a:tab pos="7116763" algn="l"/>
-                <a:tab pos="7573963" algn="l"/>
-                <a:tab pos="8031163" algn="l"/>
-                <a:tab pos="8488363" algn="l"/>
-                <a:tab pos="8945563" algn="l"/>
-                <a:tab pos="9402763" algn="l"/>
-              </a:tabLst>
-            </a:pPr>
-            <a:r>
+              <a:t>Documentation:</a:t>
+            </a:r>
+            <a:br>
               <a:rPr lang="en-US" sz="2000" b="1" i="1" dirty="0" smtClean="0">
                 <a:solidFill>
                   <a:srgbClr val="4C4C4C"/>
                 </a:solidFill>
               </a:rPr>
-              <a:t>Create a new command: http://code.google.com/p/crsh/wiki/Extension</a:t>
-            </a:r>
+            </a:br>
+            <a:r>
+              <a:rPr lang="en-US" sz="2000" b="1" i="1" dirty="0" smtClean="0">
+                <a:solidFill>
+                  <a:srgbClr val="4C4C4C"/>
+                </a:solidFill>
+              </a:rPr>
+              <a:t>http</a:t>
+            </a:r>
+            <a:r>
+              <a:rPr lang="en-US" sz="2000" b="1" i="1" dirty="0">
+                <a:solidFill>
+                  <a:srgbClr val="4C4C4C"/>
+                </a:solidFill>
+              </a:rPr>
+              <a:t>://crsh.googlecode.com/svn/doc/1.0.0-beta11/html/index.html</a:t>
+            </a:r>
+            <a:endParaRPr lang="en-US" sz="2000" b="1" i="1" dirty="0" smtClean="0">
+              <a:solidFill>
+                <a:srgbClr val="4C4C4C"/>
+              </a:solidFill>
+            </a:endParaRPr>
           </a:p>
         </p:txBody>
       </p:sp>
@@ -25904,6 +25903,13 @@
   <p:clrMapOvr>
     <a:masterClrMapping/>
   </p:clrMapOvr>
+  <p:timing>
+    <p:tnLst>
+      <p:par>
+        <p:cTn id="1" dur="indefinite" restart="never" nodeType="tmRoot"/>
+      </p:par>
+    </p:tnLst>
+  </p:timing>
 </p:sld>
 </file>
 
@@ -26245,6 +26251,13 @@
   <p:clrMapOvr>
     <a:masterClrMapping/>
   </p:clrMapOvr>
+  <p:timing>
+    <p:tnLst>
+      <p:par>
+        <p:cTn id="1" dur="indefinite" restart="never" nodeType="tmRoot"/>
+      </p:par>
+    </p:tnLst>
+  </p:timing>
 </p:sld>
 </file>
 
@@ -26280,6 +26293,11 @@
           <a:bodyPr/>
           <a:lstStyle/>
           <a:p>
+            <a:pPr>
+              <a:lnSpc>
+                <a:spcPct val="100000"/>
+              </a:lnSpc>
+            </a:pPr>
             <a:r>
               <a:rPr lang="en-US" dirty="0" smtClean="0">
                 <a:latin typeface="Tahoma" pitchFamily="-109" charset="0"/>
@@ -26307,6 +26325,9 @@
           <a:lstStyle/>
           <a:p>
             <a:pPr>
+              <a:lnSpc>
+                <a:spcPct val="100000"/>
+              </a:lnSpc>
               <a:buFont typeface="Wingdings" pitchFamily="2" charset="2"/>
               <a:buChar char="Ø"/>
             </a:pPr>
@@ -26316,19 +26337,14 @@
                 <a:ea typeface="ＭＳ Ｐゴシック" pitchFamily="-109" charset="-128"/>
                 <a:cs typeface="Tahoma" pitchFamily="-109" charset="0"/>
               </a:rPr>
-              <a:t>http://</a:t>
-            </a:r>
-            <a:r>
-              <a:rPr lang="en-US" dirty="0" smtClean="0">
-                <a:latin typeface="Tahoma" pitchFamily="-109" charset="0"/>
-                <a:ea typeface="ＭＳ Ｐゴシック" pitchFamily="-109" charset="-128"/>
-                <a:cs typeface="Tahoma" pitchFamily="-109" charset="0"/>
-              </a:rPr>
-              <a:t>crsh.googlecode.com</a:t>
+              <a:t>http://crsh.googlecode.com</a:t>
             </a:r>
           </a:p>
           <a:p>
             <a:pPr>
+              <a:lnSpc>
+                <a:spcPct val="100000"/>
+              </a:lnSpc>
               <a:buFont typeface="Wingdings" pitchFamily="2" charset="2"/>
               <a:buChar char="Ø"/>
             </a:pPr>
@@ -26358,6 +26374,13 @@
   <p:clrMapOvr>
     <a:masterClrMapping/>
   </p:clrMapOvr>
+  <p:timing>
+    <p:tnLst>
+      <p:par>
+        <p:cTn id="1" dur="indefinite" restart="never" nodeType="tmRoot"/>
+      </p:par>
+    </p:tnLst>
+  </p:timing>
 </p:sld>
 </file>
 

--- a/exo-developer/420-crash/slides/420-CRaSH-XDev-en.pptx
+++ b/exo-developer/420-crash/slides/420-CRaSH-XDev-en.pptx
@@ -22362,15 +22362,7 @@
                   <a:srgbClr val="4C4C4C"/>
                 </a:solidFill>
               </a:rPr>
-              <a:t>Connect </a:t>
-            </a:r>
-            <a:r>
-              <a:rPr lang="en-US" sz="2000" b="1" i="1" dirty="0" smtClean="0">
-                <a:solidFill>
-                  <a:srgbClr val="4C4C4C"/>
-                </a:solidFill>
-              </a:rPr>
-              <a:t>to </a:t>
+              <a:t>Connect to </a:t>
             </a:r>
             <a:r>
               <a:rPr lang="en-US" sz="2000" b="1" i="1" dirty="0" err="1" smtClean="0">
@@ -22402,21 +22394,8 @@
                   <a:srgbClr val="4C4C4C"/>
                 </a:solidFill>
               </a:rPr>
-              <a:t> </a:t>
-            </a:r>
-            <a:r>
-              <a:rPr lang="en-US" sz="2000" b="1" i="1" dirty="0" smtClean="0">
-                <a:solidFill>
-                  <a:srgbClr val="4C4C4C"/>
-                </a:solidFill>
-              </a:rPr>
-              <a:t>(port 2000) or telnet (port 5000)</a:t>
-            </a:r>
-            <a:endParaRPr lang="en-US" sz="2000" b="1" i="1" dirty="0" smtClean="0">
-              <a:solidFill>
-                <a:srgbClr val="4C4C4C"/>
-              </a:solidFill>
-            </a:endParaRPr>
+              <a:t> (port 2000) or telnet (port 5000)</a:t>
+            </a:r>
           </a:p>
           <a:p>
             <a:pPr marL="258763" indent="-255588" hangingPunct="1">
@@ -22462,15 +22441,7 @@
                   <a:srgbClr val="4C4C4C"/>
                 </a:solidFill>
               </a:rPr>
-              <a:t>Type in your shell: connect -c portal -u root </a:t>
-            </a:r>
-            <a:r>
-              <a:rPr lang="en-US" sz="2000" b="1" i="1" dirty="0" smtClean="0">
-                <a:solidFill>
-                  <a:srgbClr val="4C4C4C"/>
-                </a:solidFill>
-              </a:rPr>
-              <a:t>-p </a:t>
+              <a:t>Type in your shell: connect -c portal -u root -p </a:t>
             </a:r>
             <a:r>
               <a:rPr lang="en-US" sz="2000" b="1" i="1" dirty="0" err="1" smtClean="0">
@@ -22486,21 +22457,8 @@
                   <a:srgbClr val="4C4C4C"/>
                 </a:solidFill>
               </a:rPr>
-              <a:t> </a:t>
-            </a:r>
-            <a:r>
-              <a:rPr lang="en-US" sz="2000" b="1" i="1" dirty="0" smtClean="0">
-                <a:solidFill>
-                  <a:srgbClr val="4C4C4C"/>
-                </a:solidFill>
-              </a:rPr>
-              <a:t>collaboration</a:t>
-            </a:r>
-            <a:endParaRPr lang="en-US" sz="2000" b="1" i="1" dirty="0" smtClean="0">
-              <a:solidFill>
-                <a:srgbClr val="4C4C4C"/>
-              </a:solidFill>
-            </a:endParaRPr>
+              <a:t> collaboration</a:t>
+            </a:r>
           </a:p>
           <a:p>
             <a:pPr marL="258763" indent="-255588" hangingPunct="1">
@@ -22736,7 +22694,46 @@
                   <a:srgbClr val="4C4C4C"/>
                 </a:solidFill>
               </a:rPr>
-              <a:t> to an existing node. (syntax: </a:t>
+              <a:t> to an existing </a:t>
+            </a:r>
+            <a:r>
+              <a:rPr lang="en-US" sz="2000" b="1" i="1" smtClean="0">
+                <a:solidFill>
+                  <a:srgbClr val="4C4C4C"/>
+                </a:solidFill>
+              </a:rPr>
+              <a:t>node</a:t>
+            </a:r>
+            <a:r>
+              <a:rPr lang="en-US" sz="2000" b="1" i="1" smtClean="0">
+                <a:solidFill>
+                  <a:srgbClr val="4C4C4C"/>
+                </a:solidFill>
+              </a:rPr>
+              <a:t>.</a:t>
+            </a:r>
+            <a:br>
+              <a:rPr lang="en-US" sz="2000" b="1" i="1" smtClean="0">
+                <a:solidFill>
+                  <a:srgbClr val="4C4C4C"/>
+                </a:solidFill>
+              </a:rPr>
+            </a:br>
+            <a:r>
+              <a:rPr lang="en-US" sz="2000" b="1" i="1" smtClean="0">
+                <a:solidFill>
+                  <a:srgbClr val="4C4C4C"/>
+                </a:solidFill>
+              </a:rPr>
+              <a:t>(</a:t>
+            </a:r>
+            <a:r>
+              <a:rPr lang="en-US" sz="2000" b="1" i="1" dirty="0" smtClean="0">
+                <a:solidFill>
+                  <a:srgbClr val="4C4C4C"/>
+                </a:solidFill>
+              </a:rPr>
+              <a:t>syntax: </a:t>
             </a:r>
             <a:r>
               <a:rPr lang="en-US" sz="2000" dirty="0" err="1" smtClean="0">
@@ -22815,15 +22812,7 @@
                   <a:srgbClr val="4C4C4C"/>
                 </a:solidFill>
               </a:rPr>
-              <a:t>Test 5 different select use cases as seen in http://wiki.exoplatform.org/xwiki/bin/view/JCR/JCR+Query+Usecases</a:t>
-            </a:r>
-            <a:r>
-              <a:rPr lang="en-US" sz="2000" b="1" i="1" dirty="0" smtClean="0">
-                <a:solidFill>
-                  <a:srgbClr val="4C4C4C"/>
-                </a:solidFill>
-              </a:rPr>
-              <a:t>.</a:t>
+              <a:t>Test 5 different select use cases as seen in http://wiki.exoplatform.org/xwiki/bin/view/JCR/JCR+Query+Usecases.</a:t>
             </a:r>
           </a:p>
           <a:p>
